--- a/ppt/TiDB介绍.pptx
+++ b/ppt/TiDB介绍.pptx
@@ -765,9 +765,7 @@
             <p:ph type="sldImg"/>
           </p:nvPr>
         </p:nvSpPr>
-        <p:spPr>
-          <a:ln/>
-        </p:spPr>
+        <p:spPr/>
       </p:sp>
       <p:sp>
         <p:nvSpPr>
@@ -779,9 +777,7 @@
             <p:ph type="body"/>
           </p:nvPr>
         </p:nvSpPr>
-        <p:spPr>
-          <a:ln/>
-        </p:spPr>
+        <p:spPr/>
         <p:txBody>
           <a:bodyPr lIns="91440" tIns="45720" rIns="91440" bIns="45720" anchor="t" anchorCtr="0"/>
           <a:p>
@@ -822,9 +818,7 @@
             <p:ph type="sldImg"/>
           </p:nvPr>
         </p:nvSpPr>
-        <p:spPr>
-          <a:ln/>
-        </p:spPr>
+        <p:spPr/>
       </p:sp>
       <p:sp>
         <p:nvSpPr>
@@ -836,9 +830,7 @@
             <p:ph type="body"/>
           </p:nvPr>
         </p:nvSpPr>
-        <p:spPr>
-          <a:ln/>
-        </p:spPr>
+        <p:spPr/>
         <p:txBody>
           <a:bodyPr lIns="91440" tIns="45720" rIns="91440" bIns="45720" anchor="t" anchorCtr="0"/>
           <a:p>
@@ -871,38 +863,29 @@
       <p:grpSpPr/>
       <p:sp>
         <p:nvSpPr>
-          <p:cNvPr id="11265" name="幻灯片图像占位符 1"/>
-          <p:cNvSpPr>
-            <a:spLocks noGrp="1" noRot="1"/>
-          </p:cNvSpPr>
+          <p:cNvPr id="2" name="幻灯片图像占位符 1"/>
+          <p:cNvSpPr/>
           <p:nvPr>
             <p:ph type="sldImg"/>
           </p:nvPr>
         </p:nvSpPr>
-        <p:spPr>
-          <a:ln/>
-        </p:spPr>
-      </p:sp>
-      <p:sp>
-        <p:nvSpPr>
-          <p:cNvPr id="11266" name="文本占位符 2"/>
-          <p:cNvSpPr>
-            <a:spLocks noGrp="1"/>
-          </p:cNvSpPr>
+        <p:spPr/>
+      </p:sp>
+      <p:sp>
+        <p:nvSpPr>
+          <p:cNvPr id="3" name="文本占位符 2"/>
+          <p:cNvSpPr/>
           <p:nvPr>
             <p:ph type="body"/>
           </p:nvPr>
         </p:nvSpPr>
-        <p:spPr>
-          <a:ln/>
-        </p:spPr>
-        <p:txBody>
-          <a:bodyPr lIns="91440" tIns="45720" rIns="91440" bIns="45720" anchor="t" anchorCtr="0"/>
-          <a:p>
-            <a:pPr lvl="0"/>
+        <p:spPr/>
+        <p:txBody>
+          <a:bodyPr/>
+          <a:p>
             <a:r>
               <a:rPr lang="zh-CN" altLang="en-US"/>
-              <a:t>https://pingcap.com/cases-cn/user-case-toutiao/</a:t>
+              <a:t>https://juejin.im/post/5e5cd847f265da57213f057b</a:t>
             </a:r>
             <a:endParaRPr lang="zh-CN" altLang="en-US"/>
           </a:p>
@@ -928,7 +911,7 @@
       <p:grpSpPr/>
       <p:sp>
         <p:nvSpPr>
-          <p:cNvPr id="14337" name="幻灯片图像占位符 1"/>
+          <p:cNvPr id="11265" name="幻灯片图像占位符 1"/>
           <p:cNvSpPr>
             <a:spLocks noGrp="1" noRot="1"/>
           </p:cNvSpPr>
@@ -936,13 +919,11 @@
             <p:ph type="sldImg"/>
           </p:nvPr>
         </p:nvSpPr>
-        <p:spPr>
-          <a:ln/>
-        </p:spPr>
-      </p:sp>
-      <p:sp>
-        <p:nvSpPr>
-          <p:cNvPr id="14338" name="文本占位符 2"/>
+        <p:spPr/>
+      </p:sp>
+      <p:sp>
+        <p:nvSpPr>
+          <p:cNvPr id="11266" name="文本占位符 2"/>
           <p:cNvSpPr>
             <a:spLocks noGrp="1"/>
           </p:cNvSpPr>
@@ -950,16 +931,14 @@
             <p:ph type="body"/>
           </p:nvPr>
         </p:nvSpPr>
-        <p:spPr>
-          <a:ln/>
-        </p:spPr>
+        <p:spPr/>
         <p:txBody>
           <a:bodyPr lIns="91440" tIns="45720" rIns="91440" bIns="45720" anchor="t" anchorCtr="0"/>
           <a:p>
             <a:pPr lvl="0"/>
             <a:r>
               <a:rPr lang="zh-CN" altLang="en-US"/>
-              <a:t>https://pingcap.com/docs-cn/stable/architecture/</a:t>
+              <a:t>https://pingcap.com/cases-cn/user-case-toutiao/</a:t>
             </a:r>
             <a:endParaRPr lang="zh-CN" altLang="en-US"/>
           </a:p>
@@ -985,7 +964,7 @@
       <p:grpSpPr/>
       <p:sp>
         <p:nvSpPr>
-          <p:cNvPr id="25601" name="幻灯片图像占位符 1"/>
+          <p:cNvPr id="14337" name="幻灯片图像占位符 1"/>
           <p:cNvSpPr>
             <a:spLocks noGrp="1" noRot="1"/>
           </p:cNvSpPr>
@@ -993,13 +972,11 @@
             <p:ph type="sldImg"/>
           </p:nvPr>
         </p:nvSpPr>
-        <p:spPr>
-          <a:ln/>
-        </p:spPr>
-      </p:sp>
-      <p:sp>
-        <p:nvSpPr>
-          <p:cNvPr id="25602" name="文本占位符 2"/>
+        <p:spPr/>
+      </p:sp>
+      <p:sp>
+        <p:nvSpPr>
+          <p:cNvPr id="14338" name="文本占位符 2"/>
           <p:cNvSpPr>
             <a:spLocks noGrp="1"/>
           </p:cNvSpPr>
@@ -1007,22 +984,16 @@
             <p:ph type="body"/>
           </p:nvPr>
         </p:nvSpPr>
-        <p:spPr>
-          <a:ln/>
-        </p:spPr>
+        <p:spPr/>
         <p:txBody>
           <a:bodyPr lIns="91440" tIns="45720" rIns="91440" bIns="45720" anchor="t" anchorCtr="0"/>
           <a:p>
             <a:pPr lvl="0"/>
             <a:r>
               <a:rPr lang="zh-CN" altLang="en-US"/>
-              <a:t>建议使用 CentOS 7.3 以上的 Linux 操作系统来部署 TiDB </a:t>
-            </a:r>
-            <a:r>
-              <a:rPr lang="en-US" altLang="zh-CN"/>
-              <a:t>(https://pingcap.com/docs-cn/dev/how-to/deploy/hardware-recommendations/)</a:t>
-            </a:r>
-            <a:endParaRPr lang="en-US" altLang="zh-CN"/>
+              <a:t>https://pingcap.com/docs-cn/stable/architecture/</a:t>
+            </a:r>
+            <a:endParaRPr lang="zh-CN" altLang="en-US"/>
           </a:p>
         </p:txBody>
       </p:sp>
@@ -1046,38 +1017,36 @@
       <p:grpSpPr/>
       <p:sp>
         <p:nvSpPr>
-          <p:cNvPr id="29697" name="幻灯片图像占位符 1"/>
-          <p:cNvSpPr>
-            <a:spLocks noGrp="1" noRot="1"/>
-          </p:cNvSpPr>
+          <p:cNvPr id="2" name="幻灯片图像占位符 1"/>
+          <p:cNvSpPr/>
           <p:nvPr>
             <p:ph type="sldImg"/>
           </p:nvPr>
         </p:nvSpPr>
-        <p:spPr>
-          <a:ln/>
-        </p:spPr>
-      </p:sp>
-      <p:sp>
-        <p:nvSpPr>
-          <p:cNvPr id="29698" name="文本占位符 2"/>
-          <p:cNvSpPr>
-            <a:spLocks noGrp="1"/>
-          </p:cNvSpPr>
+        <p:spPr/>
+      </p:sp>
+      <p:sp>
+        <p:nvSpPr>
+          <p:cNvPr id="3" name="文本占位符 2"/>
+          <p:cNvSpPr/>
           <p:nvPr>
             <p:ph type="body"/>
           </p:nvPr>
         </p:nvSpPr>
-        <p:spPr>
-          <a:ln/>
-        </p:spPr>
-        <p:txBody>
-          <a:bodyPr lIns="91440" tIns="45720" rIns="91440" bIns="45720" anchor="t" anchorCtr="0"/>
-          <a:p>
-            <a:pPr lvl="0"/>
+        <p:spPr/>
+        <p:txBody>
+          <a:bodyPr/>
+          <a:p>
             <a:r>
               <a:rPr lang="zh-CN" altLang="en-US"/>
-              <a:t>https://pingcap.com/docs-cn/dev/how-to/get-started/explore-sql/</a:t>
+              <a:t>https://www.jdon.com/artichect/raft.html</a:t>
+            </a:r>
+            <a:endParaRPr lang="zh-CN" altLang="en-US"/>
+          </a:p>
+          <a:p>
+            <a:r>
+              <a:rPr lang="zh-CN" altLang="en-US"/>
+              <a:t>https://zhuanlan.zhihu.com/p/27207160</a:t>
             </a:r>
             <a:endParaRPr lang="zh-CN" altLang="en-US"/>
           </a:p>
@@ -1092,6 +1061,116 @@
 </file>
 
 <file path=ppt/notesSlides/notesSlide7.xml><?xml version="1.0" encoding="utf-8"?>
+<p:notes xmlns:a="http://schemas.openxmlformats.org/drawingml/2006/main" xmlns:r="http://schemas.openxmlformats.org/officeDocument/2006/relationships" xmlns:p="http://schemas.openxmlformats.org/presentationml/2006/main">
+  <p:cSld>
+    <p:spTree>
+      <p:nvGrpSpPr>
+        <p:cNvPr id="1" name=""/>
+        <p:cNvGrpSpPr/>
+        <p:nvPr/>
+      </p:nvGrpSpPr>
+      <p:grpSpPr/>
+      <p:sp>
+        <p:nvSpPr>
+          <p:cNvPr id="25601" name="幻灯片图像占位符 1"/>
+          <p:cNvSpPr>
+            <a:spLocks noGrp="1" noRot="1"/>
+          </p:cNvSpPr>
+          <p:nvPr>
+            <p:ph type="sldImg"/>
+          </p:nvPr>
+        </p:nvSpPr>
+        <p:spPr/>
+      </p:sp>
+      <p:sp>
+        <p:nvSpPr>
+          <p:cNvPr id="25602" name="文本占位符 2"/>
+          <p:cNvSpPr>
+            <a:spLocks noGrp="1"/>
+          </p:cNvSpPr>
+          <p:nvPr>
+            <p:ph type="body"/>
+          </p:nvPr>
+        </p:nvSpPr>
+        <p:spPr/>
+        <p:txBody>
+          <a:bodyPr lIns="91440" tIns="45720" rIns="91440" bIns="45720" anchor="t" anchorCtr="0"/>
+          <a:p>
+            <a:pPr lvl="0"/>
+            <a:r>
+              <a:rPr lang="zh-CN" altLang="en-US"/>
+              <a:t>建议使用 CentOS 7.3 以上的 Linux 操作系统来部署 TiDB </a:t>
+            </a:r>
+            <a:r>
+              <a:rPr lang="en-US" altLang="zh-CN"/>
+              <a:t>(https://pingcap.com/docs-cn/dev/how-to/deploy/hardware-recommendations/)</a:t>
+            </a:r>
+            <a:endParaRPr lang="en-US" altLang="zh-CN"/>
+          </a:p>
+        </p:txBody>
+      </p:sp>
+    </p:spTree>
+  </p:cSld>
+  <p:clrMapOvr>
+    <a:masterClrMapping/>
+  </p:clrMapOvr>
+</p:notes>
+</file>
+
+<file path=ppt/notesSlides/notesSlide8.xml><?xml version="1.0" encoding="utf-8"?>
+<p:notes xmlns:a="http://schemas.openxmlformats.org/drawingml/2006/main" xmlns:r="http://schemas.openxmlformats.org/officeDocument/2006/relationships" xmlns:p="http://schemas.openxmlformats.org/presentationml/2006/main">
+  <p:cSld>
+    <p:spTree>
+      <p:nvGrpSpPr>
+        <p:cNvPr id="1" name=""/>
+        <p:cNvGrpSpPr/>
+        <p:nvPr/>
+      </p:nvGrpSpPr>
+      <p:grpSpPr/>
+      <p:sp>
+        <p:nvSpPr>
+          <p:cNvPr id="29697" name="幻灯片图像占位符 1"/>
+          <p:cNvSpPr>
+            <a:spLocks noGrp="1" noRot="1"/>
+          </p:cNvSpPr>
+          <p:nvPr>
+            <p:ph type="sldImg"/>
+          </p:nvPr>
+        </p:nvSpPr>
+        <p:spPr/>
+      </p:sp>
+      <p:sp>
+        <p:nvSpPr>
+          <p:cNvPr id="29698" name="文本占位符 2"/>
+          <p:cNvSpPr>
+            <a:spLocks noGrp="1"/>
+          </p:cNvSpPr>
+          <p:nvPr>
+            <p:ph type="body"/>
+          </p:nvPr>
+        </p:nvSpPr>
+        <p:spPr/>
+        <p:txBody>
+          <a:bodyPr lIns="91440" tIns="45720" rIns="91440" bIns="45720" anchor="t" anchorCtr="0"/>
+          <a:p>
+            <a:pPr lvl="0"/>
+            <a:r>
+              <a:rPr lang="zh-CN" altLang="en-US"/>
+              <a:t>https://pingcap.com/docs-cn/dev/how-to/get-started/explore-sql/</a:t>
+            </a:r>
+            <a:endParaRPr lang="zh-CN" altLang="en-US"/>
+          </a:p>
+        </p:txBody>
+      </p:sp>
+    </p:spTree>
+  </p:cSld>
+  <p:clrMapOvr>
+    <a:masterClrMapping/>
+  </p:clrMapOvr>
+</p:notes>
+</file>
+
+<file path=ppt/notesSlides/notesSlide9.xml><?xml version="1.0" encoding="utf-8"?>
 <p:notes xmlns:a="http://schemas.openxmlformats.org/drawingml/2006/main" xmlns:r="http://schemas.openxmlformats.org/officeDocument/2006/relationships" xmlns:p="http://schemas.openxmlformats.org/presentationml/2006/main">
   <p:cSld>
     <p:spTree>
@@ -4166,9 +4245,7 @@
             <p:ph type="subTitle" idx="1" hasCustomPrompt="1"/>
           </p:nvPr>
         </p:nvSpPr>
-        <p:spPr>
-          <a:ln/>
-        </p:spPr>
+        <p:spPr/>
         <p:txBody>
           <a:bodyPr vert="horz" lIns="91440" tIns="45720" rIns="91440" bIns="45720" anchor="t" anchorCtr="0">
             <a:normAutofit lnSpcReduction="20000"/>
@@ -4418,9 +4495,7 @@
             <p:ph idx="1"/>
           </p:nvPr>
         </p:nvSpPr>
-        <p:spPr>
-          <a:ln/>
-        </p:spPr>
+        <p:spPr/>
         <p:txBody>
           <a:bodyPr vert="horz" lIns="91440" tIns="45720" rIns="91440" bIns="45720" anchor="t" anchorCtr="0"/>
           <a:p>
@@ -5040,9 +5115,7 @@
             <p:ph idx="1"/>
           </p:nvPr>
         </p:nvSpPr>
-        <p:spPr>
-          <a:ln/>
-        </p:spPr>
+        <p:spPr/>
         <p:txBody>
           <a:bodyPr vert="horz" lIns="91440" tIns="45720" rIns="91440" bIns="45720" anchor="t" anchorCtr="0"/>
           <a:p>
@@ -5166,7 +5239,7 @@
                 <a:ea typeface="+mn-ea"/>
                 <a:cs typeface="+mn-cs"/>
               </a:rPr>
-              <a:t>数据在多个 TiKV 之间的负载均衡由 PD 调度，这里也是以 Region 为单位进行调度</a:t>
+              <a:t> 底层为RocksDB存储引擎</a:t>
             </a:r>
             <a:endParaRPr lang="zh-CN" altLang="en-US" sz="2400" kern="1200">
               <a:solidFill>
@@ -5279,9 +5352,7 @@
             <p:ph idx="1"/>
           </p:nvPr>
         </p:nvSpPr>
-        <p:spPr>
-          <a:ln/>
-        </p:spPr>
+        <p:spPr/>
         <p:txBody>
           <a:bodyPr vert="horz" lIns="91440" tIns="45720" rIns="91440" bIns="45720" anchor="t" anchorCtr="0"/>
           <a:p>
@@ -5546,9 +5617,7 @@
             <p:ph idx="1"/>
           </p:nvPr>
         </p:nvSpPr>
-        <p:spPr>
-          <a:ln/>
-        </p:spPr>
+        <p:spPr/>
         <p:txBody>
           <a:bodyPr vert="horz" lIns="91440" tIns="45720" rIns="91440" bIns="45720" anchor="t" anchorCtr="0"/>
           <a:p>
@@ -5737,9 +5806,7 @@
             <p:ph idx="1"/>
           </p:nvPr>
         </p:nvSpPr>
-        <p:spPr>
-          <a:ln/>
-        </p:spPr>
+        <p:spPr/>
         <p:txBody>
           <a:bodyPr vert="horz" lIns="91440" tIns="45720" rIns="91440" bIns="45720" anchor="t" anchorCtr="0"/>
           <a:p>
@@ -6956,9 +7023,7 @@
             <p:ph idx="1"/>
           </p:nvPr>
         </p:nvSpPr>
-        <p:spPr>
-          <a:ln/>
-        </p:spPr>
+        <p:spPr/>
         <p:txBody>
           <a:bodyPr vert="horz" lIns="91440" tIns="45720" rIns="91440" bIns="45720" anchor="t" anchorCtr="0"/>
           <a:p>
@@ -7579,9 +7644,7 @@
             <p:ph idx="1"/>
           </p:nvPr>
         </p:nvSpPr>
-        <p:spPr>
-          <a:ln/>
-        </p:spPr>
+        <p:spPr/>
         <p:txBody>
           <a:bodyPr vert="horz" lIns="91440" tIns="45720" rIns="91440" bIns="45720" anchor="t" anchorCtr="0"/>
           <a:p>
@@ -7797,9 +7860,7 @@
             <p:ph idx="1"/>
           </p:nvPr>
         </p:nvSpPr>
-        <p:spPr>
-          <a:ln/>
-        </p:spPr>
+        <p:spPr/>
         <p:txBody>
           <a:bodyPr vert="horz" lIns="91440" tIns="45720" rIns="91440" bIns="45720" anchor="t" anchorCtr="0"/>
           <a:p>
@@ -8471,9 +8532,7 @@
             <p:ph idx="1"/>
           </p:nvPr>
         </p:nvSpPr>
-        <p:spPr>
-          <a:ln/>
-        </p:spPr>
+        <p:spPr/>
         <p:txBody>
           <a:bodyPr vert="horz" lIns="91440" tIns="45720" rIns="91440" bIns="45720" anchor="t" anchorCtr="0"/>
           <a:p>
@@ -9024,7 +9083,15 @@
           <a:p>
             <a:r>
               <a:rPr lang="zh-CN" altLang="en-US" sz="2400"/>
-              <a:t>TiDB 使用 MVCC 管理版本，当更新/删除数据时，不会做真正的数据删除，只会添加一个新版本数据，所以可以保留历史数据</a:t>
+              <a:t>TiDB 使用 MVCC</a:t>
+            </a:r>
+            <a:r>
+              <a:rPr lang="en-US" altLang="zh-CN" sz="2400"/>
+              <a:t>(多版本控制)</a:t>
+            </a:r>
+            <a:r>
+              <a:rPr lang="zh-CN" altLang="en-US" sz="2400"/>
+              <a:t> 管理版本，当更新/删除数据时，不会做真正的数据删除，只会添加一个新版本数据，所以可以保留历史数据</a:t>
             </a:r>
             <a:endParaRPr lang="zh-CN" altLang="en-US" sz="2400"/>
           </a:p>
@@ -9284,9 +9351,7 @@
             <p:ph idx="1"/>
           </p:nvPr>
         </p:nvSpPr>
-        <p:spPr>
-          <a:ln/>
-        </p:spPr>
+        <p:spPr/>
         <p:txBody>
           <a:bodyPr vert="horz" lIns="91440" tIns="45720" rIns="91440" bIns="45720" anchor="t" anchorCtr="0"/>
           <a:p>
@@ -9441,7 +9506,7 @@
             </a:r>
             <a:r>
               <a:rPr lang="zh-CN" altLang="en-US">
-                <a:hlinkClick r:id="rId1" tooltip="" action="ppaction://hlinkfile"/>
+                <a:hlinkClick r:id="rId1" action="ppaction://hlinkfile"/>
               </a:rPr>
               <a:t>TiDB</a:t>
             </a:r>
@@ -9462,7 +9527,7 @@
             </a:r>
             <a:r>
               <a:rPr lang="zh-CN" altLang="en-US">
-                <a:hlinkClick r:id="rId2" tooltip="" action="ppaction://hlinkfile"/>
+                <a:hlinkClick r:id="rId2" action="ppaction://hlinkfile"/>
               </a:rPr>
               <a:t>TiKV</a:t>
             </a:r>
@@ -9483,7 +9548,7 @@
             </a:r>
             <a:r>
               <a:rPr lang="zh-CN" altLang="en-US">
-                <a:hlinkClick r:id="rId3" tooltip="" action="ppaction://hlinkfile"/>
+                <a:hlinkClick r:id="rId3" action="ppaction://hlinkfile"/>
               </a:rPr>
               <a:t>PD</a:t>
             </a:r>
@@ -9496,7 +9561,7 @@
             </a:r>
             <a:r>
               <a:rPr lang="zh-CN" altLang="en-US">
-                <a:hlinkClick r:id="rId4" tooltip="" action="ppaction://hlinkfile"/>
+                <a:hlinkClick r:id="rId4" action="ppaction://hlinkfile"/>
               </a:rPr>
               <a:t>TiSpark</a:t>
             </a:r>
@@ -9509,7 +9574,7 @@
             </a:r>
             <a:r>
               <a:rPr lang="zh-CN" altLang="en-US">
-                <a:hlinkClick r:id="rId5" tooltip="" action="ppaction://hlinkfile"/>
+                <a:hlinkClick r:id="rId5" action="ppaction://hlinkfile"/>
               </a:rPr>
               <a:t>TiDB Operator</a:t>
             </a:r>
@@ -10093,9 +10158,7 @@
             <p:ph idx="1"/>
           </p:nvPr>
         </p:nvSpPr>
-        <p:spPr>
-          <a:ln/>
-        </p:spPr>
+        <p:spPr/>
         <p:txBody>
           <a:bodyPr vert="horz" lIns="91440" tIns="45720" rIns="91440" bIns="45720" anchor="t" anchorCtr="0"/>
           <a:p>
@@ -10346,7 +10409,6 @@
             <a:off x="1215390" y="1388110"/>
             <a:ext cx="9328785" cy="5198110"/>
           </a:xfrm>
-          <a:ln/>
         </p:spPr>
       </p:pic>
     </p:spTree>
